--- a/Graph.pptx
+++ b/Graph.pptx
@@ -11779,19 +11779,7 @@
                         <a:rPr lang="x-none" altLang="en-US" sz="1000">
                           <a:sym typeface="+mn-ea"/>
                         </a:rPr>
-                        <a:t>99.00%(</a:t>
-                      </a:r>
-                      <a:r>
-                        <a:rPr lang="x-none" altLang="en-US" sz="1000">
-                          <a:sym typeface="+mn-ea"/>
-                        </a:rPr>
-                        <a:t>first epoch:97.24% and can not achieve 100%</a:t>
-                      </a:r>
-                      <a:r>
-                        <a:rPr lang="x-none" altLang="en-US" sz="1000">
-                          <a:sym typeface="+mn-ea"/>
-                        </a:rPr>
-                        <a:t>)</a:t>
+                        <a:t>99.00%(first epoch:97.24% and can not achieve 100%)</a:t>
                       </a:r>
                       <a:endParaRPr lang="x-none" altLang="en-US" sz="1000"/>
                     </a:p>
